--- a/2018-02-05_BroadE_workshop/slides/2018-02-05_04_Jupyter_Basics.pptx
+++ b/2018-02-05_BroadE_workshop/slides/2018-02-05_04_Jupyter_Basics.pptx
@@ -225,6 +225,11 @@
       </a:defRPr>
     </a:lvl9pPr>
   </p:defaultTextStyle>
+  <p:extLst>
+    <p:ext uri="{EFAFB233-063F-42B5-8137-9DF3F51BA10A}">
+      <p15:sldGuideLst xmlns:p15="http://schemas.microsoft.com/office/powerpoint/2012/main"/>
+    </p:ext>
+  </p:extLst>
 </p:presentation>
 </file>
 
@@ -2153,36 +2158,52 @@
               <a:buNone/>
             </a:pPr>
             <a:r>
-              <a:rPr lang="en-US" sz="1200" dirty="0">
+              <a:rPr lang="en-US" sz="1200" dirty="0" smtClean="0">
                 <a:solidFill>
                   <a:srgbClr val="000000"/>
                 </a:solidFill>
               </a:rPr>
-              <a:t>When you are in a notebook, its useful to know you have</a:t>
+              <a:t>As I mentioned earlier, t</a:t>
             </a:r>
             <a:r>
-              <a:rPr lang="en-US" sz="1200" b="0" i="0" u="none" strike="noStrike" cap="none" dirty="0">
-                <a:solidFill>
-                  <a:srgbClr val="000000"/>
-                </a:solidFill>
-                <a:latin typeface="Arial"/>
-                <a:ea typeface="Arial"/>
-                <a:cs typeface="Arial"/>
-                <a:sym typeface="Arial"/>
-              </a:rPr>
-              <a:t> the ability to save, or revert to a saved checkpoint. </a:t>
+              <a:rPr lang="en-US" sz="1200" dirty="0" smtClean="0"/>
+              <a:t>his </a:t>
             </a:r>
             <a:r>
               <a:rPr lang="en-US" sz="1200" dirty="0"/>
-              <a:t>This works just like saving and </a:t>
+              <a:t>works just like saving </a:t>
             </a:r>
             <a:r>
-              <a:rPr lang="en-US" sz="1200" dirty="0" err="1"/>
-              <a:t>checkpointing</a:t>
+              <a:rPr lang="en-US" sz="1200" dirty="0" smtClean="0"/>
+              <a:t>Microsoft </a:t>
             </a:r>
             <a:r>
               <a:rPr lang="en-US" sz="1200" dirty="0"/>
-              <a:t> in Microsoft Word or similar word processor. Both features are available in the File menu at the top of a notebook.</a:t>
+              <a:t>Word </a:t>
+            </a:r>
+            <a:r>
+              <a:rPr lang="en-US" sz="1200" dirty="0" smtClean="0"/>
+              <a:t>or a similar </a:t>
+            </a:r>
+            <a:r>
+              <a:rPr lang="en-US" sz="1200" dirty="0"/>
+              <a:t>word </a:t>
+            </a:r>
+            <a:r>
+              <a:rPr lang="en-US" sz="1200" smtClean="0"/>
+              <a:t>processor</a:t>
+            </a:r>
+            <a:r>
+              <a:rPr lang="en-US" sz="1200" baseline="0" smtClean="0"/>
+              <a:t> and is </a:t>
+            </a:r>
+            <a:r>
+              <a:rPr lang="en-US" sz="1200" smtClean="0"/>
+              <a:t>available </a:t>
+            </a:r>
+            <a:r>
+              <a:rPr lang="en-US" sz="1200" dirty="0"/>
+              <a:t>in the File menu at the top of a notebook.</a:t>
             </a:r>
             <a:endParaRPr sz="1200" dirty="0"/>
           </a:p>
